--- a/Documentation/AWS-AI-Challenge-Brogrammers.pptx
+++ b/Documentation/AWS-AI-Challenge-Brogrammers.pptx
@@ -5947,41 +5947,11 @@
           <a:p>
             <a:r>
               <a:rPr lang="en-IN" dirty="0"/>
-              <a:t>IBM-Recommender</a:t>
-            </a:r>
-          </a:p>
-        </p:txBody>
-      </p:sp>
-      <p:pic>
-        <p:nvPicPr>
-          <p:cNvPr id="7" name="Picture 6">
-            <a:extLst>
-              <a:ext uri="{FF2B5EF4-FFF2-40B4-BE49-F238E27FC236}">
-                <a16:creationId xmlns:a16="http://schemas.microsoft.com/office/drawing/2014/main" id="{3651535A-3CF1-4D23-8CAD-7A500536D35E}"/>
-              </a:ext>
-            </a:extLst>
-          </p:cNvPr>
-          <p:cNvPicPr>
-            <a:picLocks noChangeAspect="1"/>
-          </p:cNvPicPr>
-          <p:nvPr/>
-        </p:nvPicPr>
-        <p:blipFill>
-          <a:blip r:embed="rId2"/>
-          <a:stretch>
-            <a:fillRect/>
-          </a:stretch>
-        </p:blipFill>
-        <p:spPr>
-          <a:xfrm>
-            <a:off x="491803" y="1200552"/>
-            <a:ext cx="8782050" cy="333375"/>
-          </a:xfrm>
-          <a:prstGeom prst="rect">
-            <a:avLst/>
-          </a:prstGeom>
-        </p:spPr>
-      </p:pic>
+              <a:t>AWS-Recommender</a:t>
+            </a:r>
+          </a:p>
+        </p:txBody>
+      </p:sp>
       <p:sp>
         <p:nvSpPr>
           <p:cNvPr id="9" name="Content Placeholder 8">
@@ -6022,7 +5992,7 @@
           <p:nvPr/>
         </p:nvPicPr>
         <p:blipFill>
-          <a:blip r:embed="rId3"/>
+          <a:blip r:embed="rId2"/>
           <a:stretch>
             <a:fillRect/>
           </a:stretch>
